--- a/5.8/Tryton 5.8 - Doc 00.01 - Installation & administration.pptx
+++ b/5.8/Tryton 5.8 - Doc 00.01 - Installation & administration.pptx
@@ -13426,7 +13426,37 @@
             </a:r>
             <a:r>
               <a:rPr lang="fr-BE" dirty="0"/>
-              <a:t>.</a:t>
+              <a:t>. </a:t>
+            </a:r>
+            <a:r>
+              <a:rPr lang="en-GB" dirty="0"/>
+              <a:t>Special credit to @ced, @pokoli, @dave, @edbo on </a:t>
+            </a:r>
+            <a:r>
+              <a:rPr lang="en-GB"/>
+              <a:t>the </a:t>
+            </a:r>
+            <a:r>
+              <a:rPr lang="en-GB">
+                <a:hlinkClick r:id="rId2"/>
+              </a:rPr>
+              <a:t>https</a:t>
+            </a:r>
+            <a:r>
+              <a:rPr lang="en-GB" dirty="0">
+                <a:hlinkClick r:id="rId2"/>
+              </a:rPr>
+              <a:t>://discuss.tryton.org</a:t>
+            </a:r>
+            <a:r>
+              <a:rPr lang="en-GB">
+                <a:hlinkClick r:id="rId2"/>
+              </a:rPr>
+              <a:t>/</a:t>
+            </a:r>
+            <a:r>
+              <a:rPr lang="en-GB"/>
+              <a:t> forum.</a:t>
             </a:r>
             <a:br>
               <a:rPr lang="fr-BE" dirty="0"/>
@@ -13464,7 +13494,7 @@
             </a:r>
             <a:r>
               <a:rPr lang="fr-BE" dirty="0">
-                <a:hlinkClick r:id="rId2"/>
+                <a:hlinkClick r:id="rId3"/>
               </a:rPr>
               <a:t>https://github.com/clixwise/tryton-by-example</a:t>
             </a:r>
